--- a/НОРМАКОНТРОЛЬ/Презентация_090304_21И1589_ИКБО-20-21_Мухаметшин АР.pptx
+++ b/НОРМАКОНТРОЛЬ/Презентация_090304_21И1589_ИКБО-20-21_Мухаметшин АР.pptx
@@ -2200,7 +2200,7 @@
             </a:pPr>
             <a:fld id="{1D8BD707-D9CF-40AE-B4C6-C98DA3205C09}" type="datetimeFigureOut">
               <a:rPr lang="en-US"/>
-              <a:t>5/29/2025</a:t>
+              <a:t>5/28/2025</a:t>
             </a:fld>
             <a:endParaRPr lang="en-US"/>
           </a:p>
@@ -2396,7 +2396,7 @@
             </a:pPr>
             <a:fld id="{1D8BD707-D9CF-40AE-B4C6-C98DA3205C09}" type="datetimeFigureOut">
               <a:rPr lang="en-US"/>
-              <a:t>5/29/2025</a:t>
+              <a:t>5/28/2025</a:t>
             </a:fld>
             <a:endParaRPr lang="en-US"/>
           </a:p>
@@ -2632,7 +2632,7 @@
             </a:pPr>
             <a:fld id="{1D8BD707-D9CF-40AE-B4C6-C98DA3205C09}" type="datetimeFigureOut">
               <a:rPr lang="en-US"/>
-              <a:t>5/29/2025</a:t>
+              <a:t>5/28/2025</a:t>
             </a:fld>
             <a:endParaRPr lang="en-US"/>
           </a:p>
@@ -2804,7 +2804,7 @@
             </a:pPr>
             <a:fld id="{1D8BD707-D9CF-40AE-B4C6-C98DA3205C09}" type="datetimeFigureOut">
               <a:rPr lang="en-US"/>
-              <a:t>5/29/2025</a:t>
+              <a:t>5/28/2025</a:t>
             </a:fld>
             <a:endParaRPr lang="en-US"/>
           </a:p>
@@ -2944,7 +2944,7 @@
             </a:pPr>
             <a:fld id="{1D8BD707-D9CF-40AE-B4C6-C98DA3205C09}" type="datetimeFigureOut">
               <a:rPr lang="en-US"/>
-              <a:t>5/29/2025</a:t>
+              <a:t>5/28/2025</a:t>
             </a:fld>
             <a:endParaRPr lang="en-US"/>
           </a:p>
@@ -3208,7 +3208,7 @@
             </a:pPr>
             <a:fld id="{1D8BD707-D9CF-40AE-B4C6-C98DA3205C09}" type="datetimeFigureOut">
               <a:rPr lang="en-US"/>
-              <a:t>5/29/2025</a:t>
+              <a:t>5/28/2025</a:t>
             </a:fld>
             <a:endParaRPr lang="en-US"/>
           </a:p>
@@ -4563,7 +4563,7 @@
         </p:nvSpPr>
         <p:spPr bwMode="auto">
           <a:xfrm>
-            <a:off x="3899273" y="6093727"/>
+            <a:off x="3899271" y="6103895"/>
             <a:ext cx="4283545" cy="369332"/>
           </a:xfrm>
           <a:prstGeom prst="rect">
@@ -4606,49 +4606,32 @@
       </p:sp>
       <p:pic>
         <p:nvPicPr>
-          <p:cNvPr id="6146" name="Picture 2">
+          <p:cNvPr id="7" name="Рисунок 6">
             <a:extLst>
               <a:ext uri="{FF2B5EF4-FFF2-40B4-BE49-F238E27FC236}">
-                <a16:creationId xmlns:a16="http://schemas.microsoft.com/office/drawing/2014/main" id="{92C7940E-8329-40F2-86A4-9003CC3F28AC}"/>
+                <a16:creationId xmlns:a16="http://schemas.microsoft.com/office/drawing/2014/main" id="{31351F2E-B822-419E-9243-5FCB34849C68}"/>
               </a:ext>
             </a:extLst>
           </p:cNvPr>
           <p:cNvPicPr>
-            <a:picLocks noChangeAspect="1" noChangeArrowheads="1"/>
+            <a:picLocks noChangeAspect="1"/>
           </p:cNvPicPr>
           <p:nvPr/>
         </p:nvPicPr>
         <p:blipFill>
-          <a:blip r:embed="rId3">
-            <a:extLst>
-              <a:ext uri="{28A0092B-C50C-407E-A947-70E740481C1C}">
-                <a14:useLocalDpi xmlns:a14="http://schemas.microsoft.com/office/drawing/2010/main" val="0"/>
-              </a:ext>
-            </a:extLst>
-          </a:blip>
-          <a:srcRect/>
+          <a:blip r:embed="rId3"/>
           <a:stretch>
             <a:fillRect/>
           </a:stretch>
         </p:blipFill>
-        <p:spPr bwMode="auto">
+        <p:spPr>
           <a:xfrm>
-            <a:off x="1926246" y="578377"/>
-            <a:ext cx="8513154" cy="5484436"/>
+            <a:off x="1901261" y="666934"/>
+            <a:ext cx="8279567" cy="5426793"/>
           </a:xfrm>
           <a:prstGeom prst="rect">
             <a:avLst/>
           </a:prstGeom>
-          <a:noFill/>
-          <a:extLst>
-            <a:ext uri="{909E8E84-426E-40DD-AFC4-6F175D3DCCD1}">
-              <a14:hiddenFill xmlns:a14="http://schemas.microsoft.com/office/drawing/2010/main">
-                <a:solidFill>
-                  <a:srgbClr val="FFFFFF"/>
-                </a:solidFill>
-              </a14:hiddenFill>
-            </a:ext>
-          </a:extLst>
         </p:spPr>
       </p:pic>
     </p:spTree>
@@ -4857,53 +4840,6 @@
           </a:extLst>
         </p:spPr>
       </p:pic>
-      <p:pic>
-        <p:nvPicPr>
-          <p:cNvPr id="7172" name="Picture 4">
-            <a:extLst>
-              <a:ext uri="{FF2B5EF4-FFF2-40B4-BE49-F238E27FC236}">
-                <a16:creationId xmlns:a16="http://schemas.microsoft.com/office/drawing/2014/main" id="{DC8F4167-C271-468F-A930-DFE28E9216FC}"/>
-              </a:ext>
-            </a:extLst>
-          </p:cNvPr>
-          <p:cNvPicPr>
-            <a:picLocks noChangeAspect="1" noChangeArrowheads="1"/>
-          </p:cNvPicPr>
-          <p:nvPr/>
-        </p:nvPicPr>
-        <p:blipFill>
-          <a:blip r:embed="rId4">
-            <a:extLst>
-              <a:ext uri="{28A0092B-C50C-407E-A947-70E740481C1C}">
-                <a14:useLocalDpi xmlns:a14="http://schemas.microsoft.com/office/drawing/2010/main" val="0"/>
-              </a:ext>
-            </a:extLst>
-          </a:blip>
-          <a:srcRect/>
-          <a:stretch>
-            <a:fillRect/>
-          </a:stretch>
-        </p:blipFill>
-        <p:spPr bwMode="auto">
-          <a:xfrm>
-            <a:off x="6001403" y="1828800"/>
-            <a:ext cx="5943600" cy="2733675"/>
-          </a:xfrm>
-          <a:prstGeom prst="rect">
-            <a:avLst/>
-          </a:prstGeom>
-          <a:noFill/>
-          <a:extLst>
-            <a:ext uri="{909E8E84-426E-40DD-AFC4-6F175D3DCCD1}">
-              <a14:hiddenFill xmlns:a14="http://schemas.microsoft.com/office/drawing/2010/main">
-                <a:solidFill>
-                  <a:srgbClr val="FFFFFF"/>
-                </a:solidFill>
-              </a14:hiddenFill>
-            </a:ext>
-          </a:extLst>
-        </p:spPr>
-      </p:pic>
       <p:sp>
         <p:nvSpPr>
           <p:cNvPr id="8" name="TextBox 7">
@@ -4945,6 +4881,41 @@
           </a:p>
         </p:txBody>
       </p:sp>
+      <p:pic>
+        <p:nvPicPr>
+          <p:cNvPr id="3" name="Рисунок 2">
+            <a:extLst>
+              <a:ext uri="{FF2B5EF4-FFF2-40B4-BE49-F238E27FC236}">
+                <a16:creationId xmlns:a16="http://schemas.microsoft.com/office/drawing/2014/main" id="{1AB91982-0796-4960-8CFE-843B82A5B029}"/>
+              </a:ext>
+            </a:extLst>
+          </p:cNvPr>
+          <p:cNvPicPr>
+            <a:picLocks noChangeAspect="1"/>
+          </p:cNvPicPr>
+          <p:nvPr/>
+        </p:nvPicPr>
+        <p:blipFill>
+          <a:blip r:embed="rId4"/>
+          <a:stretch>
+            <a:fillRect/>
+          </a:stretch>
+        </p:blipFill>
+        <p:spPr>
+          <a:xfrm>
+            <a:off x="6096000" y="2154855"/>
+            <a:ext cx="5580271" cy="2473482"/>
+          </a:xfrm>
+          <a:prstGeom prst="rect">
+            <a:avLst/>
+          </a:prstGeom>
+          <a:ln>
+            <a:solidFill>
+              <a:schemeClr val="tx1"/>
+            </a:solidFill>
+          </a:ln>
+        </p:spPr>
+      </p:pic>
     </p:spTree>
     <p:extLst>
       <p:ext uri="{BB962C8B-B14F-4D97-AF65-F5344CB8AC3E}">

--- a/НОРМАКОНТРОЛЬ/Презентация_090304_21И1589_ИКБО-20-21_Мухаметшин АР.pptx
+++ b/НОРМАКОНТРОЛЬ/Презентация_090304_21И1589_ИКБО-20-21_Мухаметшин АР.pptx
@@ -2200,7 +2200,7 @@
             </a:pPr>
             <a:fld id="{1D8BD707-D9CF-40AE-B4C6-C98DA3205C09}" type="datetimeFigureOut">
               <a:rPr lang="en-US"/>
-              <a:t>5/28/2025</a:t>
+              <a:t>6/11/2025</a:t>
             </a:fld>
             <a:endParaRPr lang="en-US"/>
           </a:p>
@@ -2396,7 +2396,7 @@
             </a:pPr>
             <a:fld id="{1D8BD707-D9CF-40AE-B4C6-C98DA3205C09}" type="datetimeFigureOut">
               <a:rPr lang="en-US"/>
-              <a:t>5/28/2025</a:t>
+              <a:t>6/11/2025</a:t>
             </a:fld>
             <a:endParaRPr lang="en-US"/>
           </a:p>
@@ -2632,7 +2632,7 @@
             </a:pPr>
             <a:fld id="{1D8BD707-D9CF-40AE-B4C6-C98DA3205C09}" type="datetimeFigureOut">
               <a:rPr lang="en-US"/>
-              <a:t>5/28/2025</a:t>
+              <a:t>6/11/2025</a:t>
             </a:fld>
             <a:endParaRPr lang="en-US"/>
           </a:p>
@@ -2804,7 +2804,7 @@
             </a:pPr>
             <a:fld id="{1D8BD707-D9CF-40AE-B4C6-C98DA3205C09}" type="datetimeFigureOut">
               <a:rPr lang="en-US"/>
-              <a:t>5/28/2025</a:t>
+              <a:t>6/11/2025</a:t>
             </a:fld>
             <a:endParaRPr lang="en-US"/>
           </a:p>
@@ -2944,7 +2944,7 @@
             </a:pPr>
             <a:fld id="{1D8BD707-D9CF-40AE-B4C6-C98DA3205C09}" type="datetimeFigureOut">
               <a:rPr lang="en-US"/>
-              <a:t>5/28/2025</a:t>
+              <a:t>6/11/2025</a:t>
             </a:fld>
             <a:endParaRPr lang="en-US"/>
           </a:p>
@@ -3208,7 +3208,7 @@
             </a:pPr>
             <a:fld id="{1D8BD707-D9CF-40AE-B4C6-C98DA3205C09}" type="datetimeFigureOut">
               <a:rPr lang="en-US"/>
-              <a:t>5/28/2025</a:t>
+              <a:t>6/11/2025</a:t>
             </a:fld>
             <a:endParaRPr lang="en-US"/>
           </a:p>
@@ -6741,7 +6741,7 @@
         <p:spPr>
           <a:xfrm>
             <a:off x="76200" y="1883283"/>
-            <a:ext cx="5408853" cy="369332"/>
+            <a:ext cx="4469493" cy="369332"/>
           </a:xfrm>
           <a:prstGeom prst="rect">
             <a:avLst/>
@@ -6757,7 +6757,7 @@
               <a:rPr lang="ru-RU" dirty="0">
                 <a:latin typeface="Times New Roman" panose="02020603050405020304" pitchFamily="18" charset="0"/>
               </a:rPr>
-              <a:t>Таблица 4 – Вычислительная и емкостная сложность</a:t>
+              <a:t>Таблица 4 – Полная себестоимость проекта</a:t>
             </a:r>
             <a:endParaRPr lang="ru-RU" dirty="0"/>
           </a:p>
@@ -7699,7 +7699,7 @@
                         </a:spcAft>
                       </a:pPr>
                       <a:r>
-                        <a:rPr lang="ru-RU" sz="1600">
+                        <a:rPr lang="ru-RU" sz="1600" dirty="0">
                           <a:solidFill>
                             <a:srgbClr val="000000"/>
                           </a:solidFill>
@@ -7707,7 +7707,7 @@
                         </a:rPr>
                         <a:t>Итого</a:t>
                       </a:r>
-                      <a:endParaRPr lang="ru-RU" sz="2400">
+                      <a:endParaRPr lang="ru-RU" sz="2400" dirty="0">
                         <a:effectLst/>
                       </a:endParaRPr>
                     </a:p>
@@ -9086,7 +9086,7 @@
           <p:nvPr>
             <p:extLst>
               <p:ext uri="{D42A27DB-BD31-4B8C-83A1-F6EECF244321}">
-                <p14:modId xmlns:p14="http://schemas.microsoft.com/office/powerpoint/2010/main" val="430009897"/>
+                <p14:modId xmlns:p14="http://schemas.microsoft.com/office/powerpoint/2010/main" val="318555892"/>
               </p:ext>
             </p:extLst>
           </p:nvPr>
@@ -9686,7 +9686,7 @@
                         </a:spcAft>
                       </a:pPr>
                       <a:r>
-                        <a:rPr lang="ru-RU" sz="1800">
+                        <a:rPr lang="ru-RU" sz="1800" dirty="0">
                           <a:solidFill>
                             <a:srgbClr val="000000"/>
                           </a:solidFill>
@@ -9694,7 +9694,7 @@
                         </a:rPr>
                         <a:t>Аналитика и статистика</a:t>
                       </a:r>
-                      <a:endParaRPr lang="ru-RU" sz="2800">
+                      <a:endParaRPr lang="ru-RU" sz="1800" dirty="0">
                         <a:effectLst/>
                       </a:endParaRPr>
                     </a:p>
@@ -9715,7 +9715,7 @@
                         </a:spcAft>
                       </a:pPr>
                       <a:r>
-                        <a:rPr lang="ru-RU" sz="1800">
+                        <a:rPr lang="ru-RU" sz="1800" dirty="0">
                           <a:solidFill>
                             <a:srgbClr val="000000"/>
                           </a:solidFill>
@@ -9723,7 +9723,7 @@
                         </a:rPr>
                         <a:t>Статистика продаж и конкурентов</a:t>
                       </a:r>
-                      <a:endParaRPr lang="ru-RU" sz="2800">
+                      <a:endParaRPr lang="ru-RU" sz="1800" dirty="0">
                         <a:effectLst/>
                       </a:endParaRPr>
                     </a:p>
@@ -9752,7 +9752,7 @@
                         </a:rPr>
                         <a:t>Детализированная аналитика по товарам</a:t>
                       </a:r>
-                      <a:endParaRPr lang="ru-RU" sz="2800" dirty="0">
+                      <a:endParaRPr lang="ru-RU" sz="1800" dirty="0">
                         <a:effectLst/>
                       </a:endParaRPr>
                     </a:p>
@@ -9781,7 +9781,7 @@
                         </a:rPr>
                         <a:t>Подробные отчеты по продажам, выручке, ценам, рейтингам</a:t>
                       </a:r>
-                      <a:endParaRPr lang="ru-RU" sz="2800" dirty="0">
+                      <a:endParaRPr lang="ru-RU" sz="1800" dirty="0">
                         <a:effectLst/>
                       </a:endParaRPr>
                     </a:p>
@@ -9809,7 +9809,7 @@
                         </a:spcAft>
                       </a:pPr>
                       <a:r>
-                        <a:rPr lang="ru-RU" sz="1600">
+                        <a:rPr lang="ru-RU" sz="1800" dirty="0">
                           <a:solidFill>
                             <a:srgbClr val="000000"/>
                           </a:solidFill>
@@ -9817,7 +9817,7 @@
                         </a:rPr>
                         <a:t>Дополнительные возможности</a:t>
                       </a:r>
-                      <a:endParaRPr lang="ru-RU" sz="2400">
+                      <a:endParaRPr lang="ru-RU" sz="1800" dirty="0">
                         <a:effectLst/>
                       </a:endParaRPr>
                     </a:p>
@@ -9838,7 +9838,7 @@
                         </a:spcAft>
                       </a:pPr>
                       <a:r>
-                        <a:rPr lang="ru-RU" sz="1600">
+                        <a:rPr lang="ru-RU" sz="1800" dirty="0">
                           <a:solidFill>
                             <a:srgbClr val="000000"/>
                           </a:solidFill>
@@ -9846,7 +9846,7 @@
                         </a:rPr>
                         <a:t>Простота интерфейса</a:t>
                       </a:r>
-                      <a:endParaRPr lang="ru-RU" sz="2400">
+                      <a:endParaRPr lang="ru-RU" sz="1800" dirty="0">
                         <a:effectLst/>
                       </a:endParaRPr>
                     </a:p>
@@ -9867,7 +9867,7 @@
                         </a:spcAft>
                       </a:pPr>
                       <a:r>
-                        <a:rPr lang="ru-RU" sz="1600">
+                        <a:rPr lang="ru-RU" sz="1800" dirty="0">
                           <a:solidFill>
                             <a:srgbClr val="000000"/>
                           </a:solidFill>
@@ -9875,7 +9875,7 @@
                         </a:rPr>
                         <a:t>Анализ данных с разных платформ</a:t>
                       </a:r>
-                      <a:endParaRPr lang="ru-RU" sz="2400">
+                      <a:endParaRPr lang="ru-RU" sz="1800" dirty="0">
                         <a:effectLst/>
                       </a:endParaRPr>
                     </a:p>
@@ -9896,7 +9896,7 @@
                         </a:spcAft>
                       </a:pPr>
                       <a:r>
-                        <a:rPr lang="ru-RU" sz="1600" dirty="0">
+                        <a:rPr lang="ru-RU" sz="1800" dirty="0">
                           <a:solidFill>
                             <a:srgbClr val="000000"/>
                           </a:solidFill>
@@ -9904,7 +9904,7 @@
                         </a:rPr>
                         <a:t>Расширение для браузеров</a:t>
                       </a:r>
-                      <a:endParaRPr lang="ru-RU" sz="2400" dirty="0">
+                      <a:endParaRPr lang="ru-RU" sz="1800" dirty="0">
                         <a:effectLst/>
                       </a:endParaRPr>
                     </a:p>
